--- a/presentation/Rtidyversetutorial.pptx
+++ b/presentation/Rtidyversetutorial.pptx
@@ -2995,7 +2995,7 @@
       </p:sp>
       <p:pic>
         <p:nvPicPr>
-          <p:cNvPr id="5" name="Picture 4"/>
+          <p:cNvPr id="4" name="Picture 3"/>
           <p:cNvPicPr>
             <a:picLocks noChangeAspect="1"/>
           </p:cNvPicPr>
@@ -3009,8 +3009,8 @@
         </p:blipFill>
         <p:spPr>
           <a:xfrm>
-            <a:off x="1489166" y="1659899"/>
-            <a:ext cx="6275912" cy="3019425"/>
+            <a:off x="1409286" y="1289326"/>
+            <a:ext cx="6949376" cy="3223665"/>
           </a:xfrm>
           <a:prstGeom prst="rect">
             <a:avLst/>
@@ -3708,11 +3708,7 @@
           <a:p>
             <a:r>
               <a:rPr lang="en-US" dirty="0" smtClean="0"/>
-              <a:t>Processing </a:t>
-            </a:r>
-            <a:r>
-              <a:rPr lang="en-US" dirty="0" smtClean="0"/>
-              <a:t>data</a:t>
+              <a:t>Processing data</a:t>
             </a:r>
           </a:p>
           <a:p>
@@ -3724,7 +3720,6 @@
               <a:rPr lang="en-US" dirty="0" smtClean="0"/>
               <a:t> data</a:t>
             </a:r>
-            <a:endParaRPr lang="en-US" dirty="0" smtClean="0"/>
           </a:p>
           <a:p>
             <a:endParaRPr lang="en-US" dirty="0"/>
@@ -3902,11 +3897,7 @@
             </a:r>
             <a:r>
               <a:rPr lang="en-US" dirty="0" smtClean="0"/>
-              <a:t>functions </a:t>
-            </a:r>
-            <a:r>
-              <a:rPr lang="en-US" dirty="0" smtClean="0"/>
-              <a:t>and understand output</a:t>
+              <a:t>functions and understand output</a:t>
             </a:r>
             <a:endParaRPr lang="en-US" dirty="0"/>
           </a:p>
@@ -4044,7 +4035,6 @@
               <a:rPr lang="en-US" dirty="0" smtClean="0"/>
               <a:t>-&gt; </a:t>
             </a:r>
-            <a:endParaRPr lang="en-US" dirty="0" smtClean="0"/>
           </a:p>
           <a:p>
             <a:endParaRPr lang="en-GB" dirty="0" smtClean="0"/>
@@ -4440,11 +4430,7 @@
             </a:r>
             <a:r>
               <a:rPr lang="en-US" dirty="0" smtClean="0"/>
-              <a:t>cell (i.e. </a:t>
-            </a:r>
-            <a:r>
-              <a:rPr lang="en-US" dirty="0" smtClean="0"/>
-              <a:t>it is tidy)</a:t>
+              <a:t>cell (i.e. it is tidy)</a:t>
             </a:r>
             <a:endParaRPr lang="en-US" kern="0" dirty="0" smtClean="0"/>
           </a:p>
@@ -4926,19 +4912,7 @@
             <a:pPr defTabSz="914400"/>
             <a:r>
               <a:rPr lang="en-US" kern="0" dirty="0" smtClean="0"/>
-              <a:t>&lt;- </a:t>
-            </a:r>
-            <a:r>
-              <a:rPr lang="en-US" kern="0" dirty="0" smtClean="0"/>
-              <a:t>is the assignment </a:t>
-            </a:r>
-            <a:r>
-              <a:rPr lang="en-US" kern="0" dirty="0" smtClean="0"/>
-              <a:t>operator, it creates a new object </a:t>
-            </a:r>
-            <a:r>
-              <a:rPr lang="en-US" kern="0" dirty="0" smtClean="0"/>
-              <a:t>(check your workspace!)</a:t>
+              <a:t>&lt;- is the assignment operator, it creates a new object (check your workspace!)</a:t>
             </a:r>
             <a:endParaRPr lang="en-GB" kern="0" dirty="0" smtClean="0"/>
           </a:p>
@@ -5685,11 +5659,7 @@
             <a:pPr defTabSz="914400"/>
             <a:r>
               <a:rPr lang="en-US" kern="0" dirty="0" smtClean="0"/>
-              <a:t>‘</a:t>
-            </a:r>
-            <a:r>
-              <a:rPr lang="en-US" kern="0" dirty="0" smtClean="0"/>
-              <a:t>mean’ is a function that computes the arithmetic mean</a:t>
+              <a:t>‘mean’ is a function that computes the arithmetic mean</a:t>
             </a:r>
             <a:endParaRPr lang="en-GB" kern="0" dirty="0" smtClean="0"/>
           </a:p>
@@ -5708,7 +5678,7 @@
       </p:sp>
       <p:pic>
         <p:nvPicPr>
-          <p:cNvPr id="5" name="Picture 4"/>
+          <p:cNvPr id="4" name="Picture 3"/>
           <p:cNvPicPr>
             <a:picLocks noChangeAspect="1"/>
           </p:cNvPicPr>
@@ -5722,8 +5692,8 @@
         </p:blipFill>
         <p:spPr>
           <a:xfrm>
-            <a:off x="428211" y="1672485"/>
-            <a:ext cx="4713234" cy="2511149"/>
+            <a:off x="523460" y="1737733"/>
+            <a:ext cx="4735243" cy="2020228"/>
           </a:xfrm>
           <a:prstGeom prst="rect">
             <a:avLst/>
@@ -5793,11 +5763,7 @@
             </a:r>
             <a:r>
               <a:rPr lang="en-US" dirty="0" smtClean="0"/>
-              <a:t> </a:t>
-            </a:r>
-            <a:r>
-              <a:rPr lang="en-US" dirty="0" smtClean="0"/>
-              <a:t>data</a:t>
+              <a:t> data</a:t>
             </a:r>
             <a:endParaRPr lang="en-GB" dirty="0"/>
           </a:p>
@@ -6117,11 +6083,7 @@
             <a:pPr defTabSz="914400"/>
             <a:r>
               <a:rPr lang="en-US" kern="0" dirty="0" smtClean="0"/>
-              <a:t>‘</a:t>
-            </a:r>
-            <a:r>
-              <a:rPr lang="en-US" kern="0" dirty="0" smtClean="0"/>
-              <a:t>mean’ is a function that computes the arithmetic mean</a:t>
+              <a:t>‘mean’ is a function that computes the arithmetic mean</a:t>
             </a:r>
             <a:endParaRPr lang="en-GB" kern="0" dirty="0" smtClean="0"/>
           </a:p>

--- a/presentation/Rtidyversetutorial.pptx
+++ b/presentation/Rtidyversetutorial.pptx
@@ -5,7 +5,7 @@
     <p:sldMasterId id="2147483660" r:id="rId1"/>
   </p:sldMasterIdLst>
   <p:notesMasterIdLst>
-    <p:notesMasterId r:id="rId14"/>
+    <p:notesMasterId r:id="rId13"/>
   </p:notesMasterIdLst>
   <p:sldIdLst>
     <p:sldId id="352" r:id="rId2"/>
@@ -19,7 +19,6 @@
     <p:sldId id="373" r:id="rId10"/>
     <p:sldId id="374" r:id="rId11"/>
     <p:sldId id="375" r:id="rId12"/>
-    <p:sldId id="369" r:id="rId13"/>
   </p:sldIdLst>
   <p:sldSz cx="9144000" cy="6858000" type="screen4x3"/>
   <p:notesSz cx="6799263" cy="9929813"/>
@@ -273,7 +272,7 @@
               <a:pPr>
                 <a:defRPr/>
               </a:pPr>
-              <a:t>18/10/2022</a:t>
+              <a:t>20/10/2022</a:t>
             </a:fld>
             <a:endParaRPr lang="en-GB"/>
           </a:p>
@@ -3152,471 +3151,6 @@
 </p:sld>
 </file>
 
-<file path=ppt/slides/slide12.xml><?xml version="1.0" encoding="utf-8"?>
-<p:sld xmlns:a="http://schemas.openxmlformats.org/drawingml/2006/main" xmlns:r="http://schemas.openxmlformats.org/officeDocument/2006/relationships" xmlns:p="http://schemas.openxmlformats.org/presentationml/2006/main">
-  <p:cSld>
-    <p:spTree>
-      <p:nvGrpSpPr>
-        <p:cNvPr id="1" name=""/>
-        <p:cNvGrpSpPr/>
-        <p:nvPr/>
-      </p:nvGrpSpPr>
-      <p:grpSpPr>
-        <a:xfrm>
-          <a:off x="0" y="0"/>
-          <a:ext cx="0" cy="0"/>
-          <a:chOff x="0" y="0"/>
-          <a:chExt cx="0" cy="0"/>
-        </a:xfrm>
-      </p:grpSpPr>
-      <p:sp>
-        <p:nvSpPr>
-          <p:cNvPr id="2" name="Title 1"/>
-          <p:cNvSpPr>
-            <a:spLocks noGrp="1"/>
-          </p:cNvSpPr>
-          <p:nvPr>
-            <p:ph type="title"/>
-          </p:nvPr>
-        </p:nvSpPr>
-        <p:spPr>
-          <a:xfrm>
-            <a:off x="523461" y="540026"/>
-            <a:ext cx="6781800" cy="749300"/>
-          </a:xfrm>
-        </p:spPr>
-        <p:txBody>
-          <a:bodyPr/>
-          <a:lstStyle/>
-          <a:p>
-            <a:r>
-              <a:rPr lang="en-US" dirty="0" err="1" smtClean="0"/>
-              <a:t>Analysing</a:t>
-            </a:r>
-            <a:r>
-              <a:rPr lang="en-US" dirty="0" smtClean="0"/>
-              <a:t> data</a:t>
-            </a:r>
-            <a:endParaRPr lang="en-GB" dirty="0"/>
-          </a:p>
-        </p:txBody>
-      </p:sp>
-      <p:sp>
-        <p:nvSpPr>
-          <p:cNvPr id="3" name="Content Placeholder 2"/>
-          <p:cNvSpPr>
-            <a:spLocks noGrp="1"/>
-          </p:cNvSpPr>
-          <p:nvPr>
-            <p:ph idx="1"/>
-          </p:nvPr>
-        </p:nvSpPr>
-        <p:spPr>
-          <a:xfrm>
-            <a:off x="523461" y="1447801"/>
-            <a:ext cx="4992436" cy="4125227"/>
-          </a:xfrm>
-        </p:spPr>
-        <p:txBody>
-          <a:bodyPr/>
-          <a:lstStyle/>
-          <a:p>
-            <a:r>
-              <a:rPr lang="en-US" dirty="0"/>
-              <a:t>l</a:t>
-            </a:r>
-            <a:r>
-              <a:rPr lang="en-US" dirty="0" smtClean="0"/>
-              <a:t>ibrary(</a:t>
-            </a:r>
-            <a:r>
-              <a:rPr lang="en-US" dirty="0" err="1" smtClean="0"/>
-              <a:t>dplyr</a:t>
-            </a:r>
-            <a:r>
-              <a:rPr lang="en-US" dirty="0" smtClean="0"/>
-              <a:t>)</a:t>
-            </a:r>
-          </a:p>
-          <a:p>
-            <a:r>
-              <a:rPr lang="en-US" dirty="0"/>
-              <a:t>iris %&gt;%</a:t>
-            </a:r>
-          </a:p>
-          <a:p>
-            <a:pPr marL="0" indent="0">
-              <a:buNone/>
-            </a:pPr>
-            <a:r>
-              <a:rPr lang="en-US" dirty="0" smtClean="0"/>
-              <a:t>	  </a:t>
-            </a:r>
-            <a:r>
-              <a:rPr lang="en-US" dirty="0" err="1"/>
-              <a:t>group_by</a:t>
-            </a:r>
-            <a:r>
-              <a:rPr lang="en-US" dirty="0"/>
-              <a:t>(Species</a:t>
-            </a:r>
-            <a:r>
-              <a:rPr lang="en-US" dirty="0" smtClean="0"/>
-              <a:t>) %&gt;%</a:t>
-            </a:r>
-          </a:p>
-          <a:p>
-            <a:pPr marL="0" indent="0">
-              <a:buNone/>
-            </a:pPr>
-            <a:r>
-              <a:rPr lang="en-US" dirty="0"/>
-              <a:t>	</a:t>
-            </a:r>
-            <a:r>
-              <a:rPr lang="en-US" dirty="0" smtClean="0"/>
-              <a:t>  </a:t>
-            </a:r>
-            <a:r>
-              <a:rPr lang="en-US" dirty="0" err="1"/>
-              <a:t>group_map</a:t>
-            </a:r>
-            <a:r>
-              <a:rPr lang="en-US" dirty="0"/>
-              <a:t>(~ </a:t>
-            </a:r>
-            <a:r>
-              <a:rPr lang="en-US" dirty="0" smtClean="0"/>
-              <a:t>		broom</a:t>
-            </a:r>
-            <a:r>
-              <a:rPr lang="en-US" dirty="0"/>
-              <a:t>::</a:t>
-            </a:r>
-            <a:r>
-              <a:rPr lang="en-US" dirty="0" smtClean="0"/>
-              <a:t>tidy(lm(</a:t>
-            </a:r>
-            <a:r>
-              <a:rPr lang="en-US" dirty="0" err="1" smtClean="0"/>
-              <a:t>Petal.Length</a:t>
-            </a:r>
-            <a:r>
-              <a:rPr lang="en-US" dirty="0" smtClean="0"/>
-              <a:t> 	~ </a:t>
-            </a:r>
-            <a:r>
-              <a:rPr lang="en-US" dirty="0" err="1"/>
-              <a:t>Sepal.Length</a:t>
-            </a:r>
-            <a:r>
-              <a:rPr lang="en-US" dirty="0"/>
-              <a:t>, data = .x)))</a:t>
-            </a:r>
-            <a:endParaRPr lang="en-US" dirty="0" smtClean="0"/>
-          </a:p>
-          <a:p>
-            <a:endParaRPr lang="en-US" dirty="0" smtClean="0"/>
-          </a:p>
-          <a:p>
-            <a:endParaRPr lang="en-GB" dirty="0" smtClean="0"/>
-          </a:p>
-          <a:p>
-            <a:endParaRPr lang="en-GB" dirty="0"/>
-          </a:p>
-          <a:p>
-            <a:pPr marL="0" indent="0">
-              <a:buNone/>
-            </a:pPr>
-            <a:endParaRPr lang="en-GB" dirty="0" smtClean="0"/>
-          </a:p>
-        </p:txBody>
-      </p:sp>
-      <p:sp>
-        <p:nvSpPr>
-          <p:cNvPr id="4" name="Content Placeholder 2"/>
-          <p:cNvSpPr txBox="1">
-            <a:spLocks/>
-          </p:cNvSpPr>
-          <p:nvPr/>
-        </p:nvSpPr>
-        <p:spPr bwMode="auto">
-          <a:xfrm>
-            <a:off x="5682057" y="1460742"/>
-            <a:ext cx="3461943" cy="4125227"/>
-          </a:xfrm>
-          <a:prstGeom prst="rect">
-            <a:avLst/>
-          </a:prstGeom>
-          <a:noFill/>
-          <a:ln>
-            <a:noFill/>
-          </a:ln>
-          <a:extLst>
-            <a:ext uri="{909E8E84-426E-40DD-AFC4-6F175D3DCCD1}">
-              <a14:hiddenFill xmlns:a14="http://schemas.microsoft.com/office/drawing/2010/main">
-                <a:solidFill>
-                  <a:srgbClr val="FFFFFF"/>
-                </a:solidFill>
-              </a14:hiddenFill>
-            </a:ext>
-            <a:ext uri="{91240B29-F687-4F45-9708-019B960494DF}">
-              <a14:hiddenLine xmlns:a14="http://schemas.microsoft.com/office/drawing/2010/main" w="9525">
-                <a:solidFill>
-                  <a:srgbClr val="000000"/>
-                </a:solidFill>
-                <a:miter lim="800000"/>
-                <a:headEnd/>
-                <a:tailEnd/>
-              </a14:hiddenLine>
-            </a:ext>
-          </a:extLst>
-        </p:spPr>
-        <p:txBody>
-          <a:bodyPr vert="horz" wrap="square" lIns="0" tIns="0" rIns="0" bIns="0" numCol="1" anchor="t" anchorCtr="0" compatLnSpc="1">
-            <a:prstTxWarp prst="textNoShape">
-              <a:avLst/>
-            </a:prstTxWarp>
-          </a:bodyPr>
-          <a:lstStyle>
-            <a:lvl1pPr marL="400050" indent="-400050" algn="l" rtl="0" eaLnBrk="1" fontAlgn="base" hangingPunct="1">
-              <a:spcBef>
-                <a:spcPct val="20000"/>
-              </a:spcBef>
-              <a:spcAft>
-                <a:spcPct val="0"/>
-              </a:spcAft>
-              <a:buClr>
-                <a:srgbClr val="FF6600"/>
-              </a:buClr>
-              <a:buFont typeface="Times" pitchFamily="-65" charset="0"/>
-              <a:buChar char="•"/>
-              <a:defRPr sz="2100">
-                <a:solidFill>
-                  <a:srgbClr val="243489"/>
-                </a:solidFill>
-                <a:latin typeface="Verdana"/>
-                <a:ea typeface="ＭＳ Ｐゴシック" pitchFamily="-65" charset="-128"/>
-                <a:cs typeface="Verdana"/>
-              </a:defRPr>
-            </a:lvl1pPr>
-            <a:lvl2pPr marL="685800" indent="-342900" algn="l" rtl="0" eaLnBrk="1" fontAlgn="base" hangingPunct="1">
-              <a:spcBef>
-                <a:spcPct val="20000"/>
-              </a:spcBef>
-              <a:spcAft>
-                <a:spcPct val="0"/>
-              </a:spcAft>
-              <a:buClr>
-                <a:srgbClr val="FF6600"/>
-              </a:buClr>
-              <a:buFont typeface="Times" pitchFamily="-65" charset="0"/>
-              <a:buChar char="•"/>
-              <a:defRPr sz="1800">
-                <a:solidFill>
-                  <a:srgbClr val="243489"/>
-                </a:solidFill>
-                <a:latin typeface="Verdana"/>
-                <a:ea typeface="ＭＳ Ｐゴシック" pitchFamily="-65" charset="-128"/>
-                <a:cs typeface="Verdana"/>
-              </a:defRPr>
-            </a:lvl2pPr>
-            <a:lvl3pPr marL="1028700" indent="-342900" algn="l" rtl="0" eaLnBrk="1" fontAlgn="base" hangingPunct="1">
-              <a:spcBef>
-                <a:spcPct val="20000"/>
-              </a:spcBef>
-              <a:spcAft>
-                <a:spcPct val="0"/>
-              </a:spcAft>
-              <a:buClr>
-                <a:srgbClr val="FF6600"/>
-              </a:buClr>
-              <a:buFont typeface="Times" pitchFamily="-65" charset="0"/>
-              <a:buChar char="•"/>
-              <a:defRPr sz="1800">
-                <a:solidFill>
-                  <a:srgbClr val="243489"/>
-                </a:solidFill>
-                <a:latin typeface="Verdana"/>
-                <a:ea typeface="ＭＳ Ｐゴシック" pitchFamily="-65" charset="-128"/>
-                <a:cs typeface="Verdana"/>
-              </a:defRPr>
-            </a:lvl3pPr>
-            <a:lvl4pPr marL="1314450" indent="-285750" algn="l" rtl="0" eaLnBrk="1" fontAlgn="base" hangingPunct="1">
-              <a:spcBef>
-                <a:spcPct val="20000"/>
-              </a:spcBef>
-              <a:spcAft>
-                <a:spcPct val="0"/>
-              </a:spcAft>
-              <a:buClr>
-                <a:srgbClr val="FF6600"/>
-              </a:buClr>
-              <a:buFont typeface="Times" pitchFamily="-65" charset="0"/>
-              <a:buChar char="•"/>
-              <a:defRPr sz="1500">
-                <a:solidFill>
-                  <a:srgbClr val="243489"/>
-                </a:solidFill>
-                <a:latin typeface="Verdana"/>
-                <a:ea typeface="ＭＳ Ｐゴシック" pitchFamily="-65" charset="-128"/>
-                <a:cs typeface="Verdana"/>
-              </a:defRPr>
-            </a:lvl4pPr>
-            <a:lvl5pPr marL="1657350" indent="-285750" algn="l" rtl="0" eaLnBrk="1" fontAlgn="base" hangingPunct="1">
-              <a:spcBef>
-                <a:spcPct val="20000"/>
-              </a:spcBef>
-              <a:spcAft>
-                <a:spcPct val="0"/>
-              </a:spcAft>
-              <a:buClr>
-                <a:srgbClr val="FF6600"/>
-              </a:buClr>
-              <a:buFont typeface="Times" pitchFamily="-65" charset="0"/>
-              <a:buChar char="•"/>
-              <a:defRPr sz="1500">
-                <a:solidFill>
-                  <a:srgbClr val="243489"/>
-                </a:solidFill>
-                <a:latin typeface="Verdana"/>
-                <a:ea typeface="ＭＳ Ｐゴシック" pitchFamily="-65" charset="-128"/>
-                <a:cs typeface="Verdana"/>
-              </a:defRPr>
-            </a:lvl5pPr>
-            <a:lvl6pPr marL="2000250" indent="-285750" algn="l" rtl="0" eaLnBrk="1" fontAlgn="base" hangingPunct="1">
-              <a:spcBef>
-                <a:spcPct val="20000"/>
-              </a:spcBef>
-              <a:spcAft>
-                <a:spcPct val="0"/>
-              </a:spcAft>
-              <a:buClr>
-                <a:srgbClr val="007CC4"/>
-              </a:buClr>
-              <a:buFont typeface="Times" pitchFamily="-65" charset="0"/>
-              <a:buChar char="•"/>
-              <a:defRPr sz="1500">
-                <a:solidFill>
-                  <a:schemeClr val="tx1"/>
-                </a:solidFill>
-                <a:latin typeface="+mn-lt"/>
-                <a:ea typeface="ＭＳ Ｐゴシック" pitchFamily="-65" charset="-128"/>
-              </a:defRPr>
-            </a:lvl6pPr>
-            <a:lvl7pPr marL="2343150" indent="-285750" algn="l" rtl="0" eaLnBrk="1" fontAlgn="base" hangingPunct="1">
-              <a:spcBef>
-                <a:spcPct val="20000"/>
-              </a:spcBef>
-              <a:spcAft>
-                <a:spcPct val="0"/>
-              </a:spcAft>
-              <a:buClr>
-                <a:srgbClr val="007CC4"/>
-              </a:buClr>
-              <a:buFont typeface="Times" pitchFamily="-65" charset="0"/>
-              <a:buChar char="•"/>
-              <a:defRPr sz="1500">
-                <a:solidFill>
-                  <a:schemeClr val="tx1"/>
-                </a:solidFill>
-                <a:latin typeface="+mn-lt"/>
-                <a:ea typeface="ＭＳ Ｐゴシック" pitchFamily="-65" charset="-128"/>
-              </a:defRPr>
-            </a:lvl7pPr>
-            <a:lvl8pPr marL="2686050" indent="-285750" algn="l" rtl="0" eaLnBrk="1" fontAlgn="base" hangingPunct="1">
-              <a:spcBef>
-                <a:spcPct val="20000"/>
-              </a:spcBef>
-              <a:spcAft>
-                <a:spcPct val="0"/>
-              </a:spcAft>
-              <a:buClr>
-                <a:srgbClr val="007CC4"/>
-              </a:buClr>
-              <a:buFont typeface="Times" pitchFamily="-65" charset="0"/>
-              <a:buChar char="•"/>
-              <a:defRPr sz="1500">
-                <a:solidFill>
-                  <a:schemeClr val="tx1"/>
-                </a:solidFill>
-                <a:latin typeface="+mn-lt"/>
-                <a:ea typeface="ＭＳ Ｐゴシック" pitchFamily="-65" charset="-128"/>
-              </a:defRPr>
-            </a:lvl8pPr>
-            <a:lvl9pPr marL="3028950" indent="-285750" algn="l" rtl="0" eaLnBrk="1" fontAlgn="base" hangingPunct="1">
-              <a:spcBef>
-                <a:spcPct val="20000"/>
-              </a:spcBef>
-              <a:spcAft>
-                <a:spcPct val="0"/>
-              </a:spcAft>
-              <a:buClr>
-                <a:srgbClr val="007CC4"/>
-              </a:buClr>
-              <a:buFont typeface="Times" pitchFamily="-65" charset="0"/>
-              <a:buChar char="•"/>
-              <a:defRPr sz="1500">
-                <a:solidFill>
-                  <a:schemeClr val="tx1"/>
-                </a:solidFill>
-                <a:latin typeface="+mn-lt"/>
-                <a:ea typeface="ＭＳ Ｐゴシック" pitchFamily="-65" charset="-128"/>
-              </a:defRPr>
-            </a:lvl9pPr>
-          </a:lstStyle>
-          <a:p>
-            <a:pPr defTabSz="914400"/>
-            <a:r>
-              <a:rPr lang="en-US" kern="0" dirty="0" smtClean="0"/>
-              <a:t>Pipe (%&gt;%) is used to chain commands together</a:t>
-            </a:r>
-          </a:p>
-          <a:p>
-            <a:pPr defTabSz="914400"/>
-            <a:r>
-              <a:rPr lang="en-US" dirty="0" smtClean="0"/>
-              <a:t>Tilde (~) </a:t>
-            </a:r>
-            <a:r>
-              <a:rPr lang="en-US" dirty="0"/>
-              <a:t>is an operator that splits the left side and right side in a formula</a:t>
-            </a:r>
-            <a:endParaRPr lang="en-GB" kern="0" dirty="0" smtClean="0"/>
-          </a:p>
-          <a:p>
-            <a:pPr defTabSz="914400"/>
-            <a:endParaRPr lang="en-GB" kern="0" dirty="0" smtClean="0"/>
-          </a:p>
-          <a:p>
-            <a:pPr marL="0" indent="0" defTabSz="914400">
-              <a:buFont typeface="Times" pitchFamily="-65" charset="0"/>
-              <a:buNone/>
-            </a:pPr>
-            <a:endParaRPr lang="en-GB" kern="0" dirty="0" smtClean="0"/>
-          </a:p>
-        </p:txBody>
-      </p:sp>
-    </p:spTree>
-    <p:extLst>
-      <p:ext uri="{BB962C8B-B14F-4D97-AF65-F5344CB8AC3E}">
-        <p14:creationId xmlns:p14="http://schemas.microsoft.com/office/powerpoint/2010/main" val="1229874813"/>
-      </p:ext>
-    </p:extLst>
-  </p:cSld>
-  <p:clrMapOvr>
-    <a:masterClrMapping/>
-  </p:clrMapOvr>
-  <p:timing>
-    <p:tnLst>
-      <p:par>
-        <p:cTn id="1" dur="indefinite" restart="never" nodeType="tmRoot"/>
-      </p:par>
-    </p:tnLst>
-  </p:timing>
-</p:sld>
-</file>
-
 <file path=ppt/slides/slide2.xml><?xml version="1.0" encoding="utf-8"?>
 <p:sld xmlns:a="http://schemas.openxmlformats.org/drawingml/2006/main" xmlns:r="http://schemas.openxmlformats.org/officeDocument/2006/relationships" xmlns:p="http://schemas.openxmlformats.org/presentationml/2006/main">
   <p:cSld>
@@ -5812,8 +5346,8 @@
         </p:nvSpPr>
         <p:spPr bwMode="auto">
           <a:xfrm>
-            <a:off x="5574289" y="441567"/>
-            <a:ext cx="3461943" cy="4125227"/>
+            <a:off x="523461" y="4617736"/>
+            <a:ext cx="7126036" cy="2757659"/>
           </a:xfrm>
           <a:prstGeom prst="rect">
             <a:avLst/>
@@ -6043,11 +5577,11 @@
             </a:r>
             <a:r>
               <a:rPr lang="en-US" kern="0" dirty="0" err="1" smtClean="0"/>
-              <a:t>group_by</a:t>
+              <a:t>ggplot</a:t>
             </a:r>
             <a:r>
               <a:rPr lang="en-US" kern="0" dirty="0" smtClean="0"/>
-              <a:t>’ is a function that subsets the data into chunks</a:t>
+              <a:t>’ is the function to create plots</a:t>
             </a:r>
           </a:p>
           <a:p>
@@ -6058,33 +5592,30 @@
             </a:r>
             <a:r>
               <a:rPr lang="en-US" kern="0" dirty="0" err="1" smtClean="0"/>
-              <a:t>summarise</a:t>
+              <a:t>geom_line</a:t>
             </a:r>
             <a:r>
               <a:rPr lang="en-US" kern="0" dirty="0" smtClean="0"/>
-              <a:t>’ is a function that creates a new data frame</a:t>
+              <a:t>’ adds a line through the points</a:t>
             </a:r>
           </a:p>
           <a:p>
             <a:pPr defTabSz="914400"/>
             <a:r>
               <a:rPr lang="en-US" kern="0" dirty="0" smtClean="0"/>
-              <a:t>‘names’ is a function that tells you the column names</a:t>
+              <a:t>‘</a:t>
+            </a:r>
+            <a:r>
+              <a:rPr lang="en-US" kern="0" dirty="0" err="1" smtClean="0"/>
+              <a:t>theme_classic</a:t>
+            </a:r>
+            <a:r>
+              <a:rPr lang="en-US" kern="0" dirty="0" smtClean="0"/>
+              <a:t>’ and ‘labs’ changes how the plot looks</a:t>
             </a:r>
           </a:p>
           <a:p>
             <a:pPr defTabSz="914400"/>
-            <a:r>
-              <a:rPr lang="en-US" kern="0" dirty="0" smtClean="0"/>
-              <a:t>‘month’ extracts the month from a date</a:t>
-            </a:r>
-          </a:p>
-          <a:p>
-            <a:pPr defTabSz="914400"/>
-            <a:r>
-              <a:rPr lang="en-US" kern="0" dirty="0" smtClean="0"/>
-              <a:t>‘mean’ is a function that computes the arithmetic mean</a:t>
-            </a:r>
             <a:endParaRPr lang="en-GB" kern="0" dirty="0" smtClean="0"/>
           </a:p>
           <a:p>
@@ -6115,12 +5646,53 @@
         </p:blipFill>
         <p:spPr>
           <a:xfrm>
-            <a:off x="257174" y="2190750"/>
+            <a:off x="523459" y="2423949"/>
             <a:ext cx="5093891" cy="1409700"/>
           </a:xfrm>
           <a:prstGeom prst="rect">
             <a:avLst/>
           </a:prstGeom>
+        </p:spPr>
+      </p:pic>
+      <p:pic>
+        <p:nvPicPr>
+          <p:cNvPr id="1026" name="Picture 2" descr="Chapter 5 Grammar of Graphics (GG) basics | Workshop 3: Introduction to  data visualisation with ggplot2"/>
+          <p:cNvPicPr>
+            <a:picLocks noChangeAspect="1" noChangeArrowheads="1"/>
+          </p:cNvPicPr>
+          <p:nvPr/>
+        </p:nvPicPr>
+        <p:blipFill>
+          <a:blip r:embed="rId3">
+            <a:extLst>
+              <a:ext uri="{28A0092B-C50C-407E-A947-70E740481C1C}">
+                <a14:useLocalDpi xmlns:a14="http://schemas.microsoft.com/office/drawing/2010/main" val="0"/>
+              </a:ext>
+            </a:extLst>
+          </a:blip>
+          <a:srcRect/>
+          <a:stretch>
+            <a:fillRect/>
+          </a:stretch>
+        </p:blipFill>
+        <p:spPr bwMode="auto">
+          <a:xfrm>
+            <a:off x="5696078" y="441142"/>
+            <a:ext cx="3218365" cy="2397439"/>
+          </a:xfrm>
+          <a:prstGeom prst="rect">
+            <a:avLst/>
+          </a:prstGeom>
+          <a:noFill/>
+          <a:extLst>
+            <a:ext uri="{909E8E84-426E-40DD-AFC4-6F175D3DCCD1}">
+              <a14:hiddenFill xmlns:a14="http://schemas.microsoft.com/office/drawing/2010/main">
+                <a:solidFill>
+                  <a:srgbClr val="FFFFFF"/>
+                </a:solidFill>
+              </a14:hiddenFill>
+            </a:ext>
+          </a:extLst>
         </p:spPr>
       </p:pic>
     </p:spTree>
